--- a/crypto_fund_DD/app/output/due_diligence_analytics (1).pptx
+++ b/crypto_fund_DD/app/output/due_diligence_analytics (1).pptx
@@ -180,7 +180,7 @@
                 <c:formatCode>General</c:formatCode>
                 <c:ptCount val="1"/>
                 <c:pt idx="0">
-                  <c:v>63.0</c:v>
+                  <c:v>91.5</c:v>
                 </c:pt>
               </c:numCache>
             </c:numRef>
@@ -293,13 +293,13 @@
               <c:strCache>
                 <c:ptCount val="3"/>
                 <c:pt idx="0">
-                  <c:v>- How active is the community ...</c:v>
+                  <c:v>- How user-friendly is the pla...</c:v>
                 </c:pt>
                 <c:pt idx="1">
                   <c:v>- What customer support mechan...</c:v>
                 </c:pt>
                 <c:pt idx="2">
-                  <c:v>Are there any customer feedbac...</c:v>
+                  <c:v>- How active is the community ...</c:v>
                 </c:pt>
               </c:strCache>
             </c:strRef>
@@ -311,13 +311,13 @@
                 <c:formatCode>General</c:formatCode>
                 <c:ptCount val="3"/>
                 <c:pt idx="0">
-                  <c:v>9.120000000000001</c:v>
+                  <c:v>18.0</c:v>
                 </c:pt>
                 <c:pt idx="1">
-                  <c:v>8.399999999999999</c:v>
+                  <c:v>14.64</c:v>
                 </c:pt>
                 <c:pt idx="2">
-                  <c:v>5.279999999999999</c:v>
+                  <c:v>14.399999999999999</c:v>
                 </c:pt>
               </c:numCache>
             </c:numRef>
@@ -449,7 +449,7 @@
                 <c:formatCode>General</c:formatCode>
                 <c:ptCount val="1"/>
                 <c:pt idx="0">
-                  <c:v>23.0</c:v>
+                  <c:v>41.766666666666666</c:v>
                 </c:pt>
               </c:numCache>
             </c:numRef>
@@ -697,13 +697,13 @@
                 <c:formatCode>General</c:formatCode>
                 <c:ptCount val="5"/>
                 <c:pt idx="0">
+                  <c:v>0</c:v>
+                </c:pt>
+                <c:pt idx="1">
+                  <c:v>0</c:v>
+                </c:pt>
+                <c:pt idx="2">
                   <c:v>6</c:v>
-                </c:pt>
-                <c:pt idx="1">
-                  <c:v>0</c:v>
-                </c:pt>
-                <c:pt idx="2">
-                  <c:v>0</c:v>
                 </c:pt>
                 <c:pt idx="3">
                   <c:v>0</c:v>
@@ -976,7 +976,7 @@
               <c:strCache>
                 <c:ptCount val="3"/>
                 <c:pt idx="0">
-                  <c:v>- How are digital assets store...</c:v>
+                  <c:v>Are multi-signature wallets us...</c:v>
                 </c:pt>
                 <c:pt idx="1">
                   <c:v>What measures are in place to ...</c:v>
@@ -994,13 +994,13 @@
                 <c:formatCode>General</c:formatCode>
                 <c:ptCount val="3"/>
                 <c:pt idx="0">
-                  <c:v>6.399999999999998</c:v>
+                  <c:v>48.0</c:v>
                 </c:pt>
                 <c:pt idx="1">
-                  <c:v>6.399999999999998</c:v>
+                  <c:v>43.2</c:v>
                 </c:pt>
                 <c:pt idx="2">
-                  <c:v>6.399999999999998</c:v>
+                  <c:v>43.2</c:v>
                 </c:pt>
               </c:numCache>
             </c:numRef>
@@ -1132,7 +1132,7 @@
                 <c:formatCode>General</c:formatCode>
                 <c:ptCount val="1"/>
                 <c:pt idx="0">
-                  <c:v>4.799999999999999</c:v>
+                  <c:v>22.400000000000002</c:v>
                 </c:pt>
               </c:numCache>
             </c:numRef>
@@ -1380,16 +1380,16 @@
                 <c:formatCode>General</c:formatCode>
                 <c:ptCount val="5"/>
                 <c:pt idx="0">
-                  <c:v>11</c:v>
+                  <c:v>0</c:v>
                 </c:pt>
                 <c:pt idx="1">
-                  <c:v>2</c:v>
+                  <c:v>0</c:v>
                 </c:pt>
                 <c:pt idx="2">
-                  <c:v>0</c:v>
+                  <c:v>12</c:v>
                 </c:pt>
                 <c:pt idx="3">
-                  <c:v>0</c:v>
+                  <c:v>1</c:v>
                 </c:pt>
                 <c:pt idx="4">
                   <c:v>0</c:v>
@@ -1459,7 +1459,7 @@
           <a:lstStyle/>
           <a:p>
             <a:r>
-              <a:t>Relevance vs Completeness (High Risk: 0)</a:t>
+              <a:t>Relevance vs Completeness (High Risk: 1)</a:t>
             </a:r>
           </a:p>
         </c:rich>
@@ -1815,10 +1815,10 @@
                   <c:v>- What cybersecurity measures ...</c:v>
                 </c:pt>
                 <c:pt idx="1">
-                  <c:v>- What blockchain technology i...</c:v>
+                  <c:v>Are two-factor authentication ...</c:v>
                 </c:pt>
                 <c:pt idx="2">
-                  <c:v>Are two-factor authentication ...</c:v>
+                  <c:v>Are there any data protection ...</c:v>
                 </c:pt>
               </c:strCache>
             </c:strRef>
@@ -1830,13 +1830,13 @@
                 <c:formatCode>General</c:formatCode>
                 <c:ptCount val="3"/>
                 <c:pt idx="0">
-                  <c:v>25.599999999999994</c:v>
+                  <c:v>60.00000000000001</c:v>
                 </c:pt>
                 <c:pt idx="1">
-                  <c:v>20.0</c:v>
+                  <c:v>50.0</c:v>
                 </c:pt>
                 <c:pt idx="2">
-                  <c:v>15.999999999999998</c:v>
+                  <c:v>47.20000000000001</c:v>
                 </c:pt>
               </c:numCache>
             </c:numRef>
@@ -1968,7 +1968,7 @@
                 <c:formatCode>General</c:formatCode>
                 <c:ptCount val="1"/>
                 <c:pt idx="0">
-                  <c:v>3.195555555555556</c:v>
+                  <c:v>6.568</c:v>
                 </c:pt>
               </c:numCache>
             </c:numRef>
@@ -2567,10 +2567,10 @@
               <c:strCache>
                 <c:ptCount val="3"/>
                 <c:pt idx="0">
-                  <c:v>How does the company promote s...</c:v>
+                  <c:v>Are there any initiatives to r...</c:v>
                 </c:pt>
                 <c:pt idx="1">
-                  <c:v>- Does the company publish sus...</c:v>
+                  <c:v>Are there any feedback mechani...</c:v>
                 </c:pt>
                 <c:pt idx="2">
                   <c:v>- Has an environmental impact ...</c:v>
@@ -2585,13 +2585,13 @@
                 <c:formatCode>General</c:formatCode>
                 <c:ptCount val="3"/>
                 <c:pt idx="0">
-                  <c:v>3.5199999999999996</c:v>
+                  <c:v>10.08</c:v>
                 </c:pt>
                 <c:pt idx="1">
-                  <c:v>3.1999999999999993</c:v>
+                  <c:v>10.0</c:v>
                 </c:pt>
                 <c:pt idx="2">
-                  <c:v>2.7200000000000006</c:v>
+                  <c:v>9.6</c:v>
                 </c:pt>
               </c:numCache>
             </c:numRef>
@@ -2723,7 +2723,7 @@
                 <c:formatCode>General</c:formatCode>
                 <c:ptCount val="1"/>
                 <c:pt idx="0">
-                  <c:v>5.531428571428571</c:v>
+                  <c:v>18.148571428571426</c:v>
                 </c:pt>
               </c:numCache>
             </c:numRef>
@@ -2971,13 +2971,13 @@
                 <c:formatCode>General</c:formatCode>
                 <c:ptCount val="5"/>
                 <c:pt idx="0">
+                  <c:v>0</c:v>
+                </c:pt>
+                <c:pt idx="1">
                   <c:v>6</c:v>
                 </c:pt>
-                <c:pt idx="1">
+                <c:pt idx="2">
                   <c:v>1</c:v>
-                </c:pt>
-                <c:pt idx="2">
-                  <c:v>0</c:v>
                 </c:pt>
                 <c:pt idx="3">
                   <c:v>0</c:v>
@@ -3280,13 +3280,13 @@
                 <c:formatCode>General</c:formatCode>
                 <c:ptCount val="5"/>
                 <c:pt idx="0">
+                  <c:v>0</c:v>
+                </c:pt>
+                <c:pt idx="1">
+                  <c:v>0</c:v>
+                </c:pt>
+                <c:pt idx="2">
                   <c:v>1</c:v>
-                </c:pt>
-                <c:pt idx="1">
-                  <c:v>0</c:v>
-                </c:pt>
-                <c:pt idx="2">
-                  <c:v>0</c:v>
                 </c:pt>
                 <c:pt idx="3">
                   <c:v>0</c:v>
@@ -3399,7 +3399,7 @@
                   <c:v>- How frequently are financial...</c:v>
                 </c:pt>
                 <c:pt idx="2">
-                  <c:v>- Are financial statements aud...</c:v>
+                  <c:v>What is the financial health o...</c:v>
                 </c:pt>
               </c:strCache>
             </c:strRef>
@@ -3411,13 +3411,13 @@
                 <c:formatCode>General</c:formatCode>
                 <c:ptCount val="3"/>
                 <c:pt idx="0">
-                  <c:v>32.0</c:v>
+                  <c:v>48.0</c:v>
                 </c:pt>
                 <c:pt idx="1">
-                  <c:v>11.520000000000003</c:v>
+                  <c:v>37.44</c:v>
                 </c:pt>
                 <c:pt idx="2">
-                  <c:v>5.119999999999997</c:v>
+                  <c:v>37.44</c:v>
                 </c:pt>
               </c:numCache>
             </c:numRef>
@@ -3922,7 +3922,7 @@
                 <c:formatCode>General</c:formatCode>
                 <c:ptCount val="1"/>
                 <c:pt idx="0">
-                  <c:v>25.09527272727273</c:v>
+                  <c:v>37.62327272727273</c:v>
                 </c:pt>
               </c:numCache>
             </c:numRef>
@@ -4170,10 +4170,10 @@
                 <c:formatCode>General</c:formatCode>
                 <c:ptCount val="5"/>
                 <c:pt idx="0">
-                  <c:v>21</c:v>
+                  <c:v>0</c:v>
                 </c:pt>
                 <c:pt idx="1">
-                  <c:v>1</c:v>
+                  <c:v>22</c:v>
                 </c:pt>
                 <c:pt idx="2">
                   <c:v>0</c:v>
@@ -4545,13 +4545,13 @@
               <c:strCache>
                 <c:ptCount val="3"/>
                 <c:pt idx="0">
+                  <c:v>- What are the details of past...</c:v>
+                </c:pt>
+                <c:pt idx="1">
+                  <c:v>- How are major decisions made...</c:v>
+                </c:pt>
+                <c:pt idx="2">
                   <c:v>- Who are the major shareholde...</c:v>
-                </c:pt>
-                <c:pt idx="1">
-                  <c:v>Are there any plans for future...</c:v>
-                </c:pt>
-                <c:pt idx="2">
-                  <c:v>Are there any budgeting proces...</c:v>
                 </c:pt>
               </c:strCache>
             </c:strRef>
@@ -4563,13 +4563,13 @@
                 <c:formatCode>General</c:formatCode>
                 <c:ptCount val="3"/>
                 <c:pt idx="0">
-                  <c:v>24.0</c:v>
+                  <c:v>36.0</c:v>
                 </c:pt>
                 <c:pt idx="1">
-                  <c:v>10.559999999999999</c:v>
+                  <c:v>36.0</c:v>
                 </c:pt>
                 <c:pt idx="2">
-                  <c:v>10.559999999999999</c:v>
+                  <c:v>29.28</c:v>
                 </c:pt>
               </c:numCache>
             </c:numRef>
@@ -4701,7 +4701,7 @@
                 <c:formatCode>General</c:formatCode>
                 <c:ptCount val="1"/>
                 <c:pt idx="0">
-                  <c:v>8.7264</c:v>
+                  <c:v>12.5184</c:v>
                 </c:pt>
               </c:numCache>
             </c:numRef>
@@ -5394,7 +5394,7 @@
                   <c:v>Are smart contracts audited fo...</c:v>
                 </c:pt>
                 <c:pt idx="2">
-                  <c:v>- How does the company handle ...</c:v>
+                  <c:v>What are the potential exit op...</c:v>
                 </c:pt>
               </c:strCache>
             </c:strRef>
@@ -5406,13 +5406,13 @@
                 <c:formatCode>General</c:formatCode>
                 <c:ptCount val="3"/>
                 <c:pt idx="0">
-                  <c:v>8.0</c:v>
+                  <c:v>10.8</c:v>
                 </c:pt>
                 <c:pt idx="1">
-                  <c:v>2.7200000000000006</c:v>
+                  <c:v>9.36</c:v>
                 </c:pt>
                 <c:pt idx="2">
-                  <c:v>1.2799999999999994</c:v>
+                  <c:v>8.64</c:v>
                 </c:pt>
               </c:numCache>
             </c:numRef>
@@ -5544,7 +5544,7 @@
                 <c:formatCode>General</c:formatCode>
                 <c:ptCount val="1"/>
                 <c:pt idx="0">
-                  <c:v>29.294117647058822</c:v>
+                  <c:v>52.08823529411765</c:v>
                 </c:pt>
               </c:numCache>
             </c:numRef>
@@ -5792,13 +5792,13 @@
                 <c:formatCode>General</c:formatCode>
                 <c:ptCount val="5"/>
                 <c:pt idx="0">
+                  <c:v>0</c:v>
+                </c:pt>
+                <c:pt idx="1">
+                  <c:v>0</c:v>
+                </c:pt>
+                <c:pt idx="2">
                   <c:v>17</c:v>
-                </c:pt>
-                <c:pt idx="1">
-                  <c:v>0</c:v>
-                </c:pt>
-                <c:pt idx="2">
-                  <c:v>0</c:v>
                 </c:pt>
                 <c:pt idx="3">
                   <c:v>0</c:v>
@@ -6140,7 +6140,7 @@
                   <c:v>- What is the legal entity of ...</c:v>
                 </c:pt>
                 <c:pt idx="1">
-                  <c:v>Are there any changes in the l...</c:v>
+                  <c:v>- What is the understanding of...</c:v>
                 </c:pt>
                 <c:pt idx="2">
                   <c:v>Are all necessary licenses and...</c:v>
@@ -6155,13 +6155,13 @@
                 <c:formatCode>General</c:formatCode>
                 <c:ptCount val="3"/>
                 <c:pt idx="0">
-                  <c:v>19.999999999999996</c:v>
+                  <c:v>58.5</c:v>
                 </c:pt>
                 <c:pt idx="1">
-                  <c:v>7.9999999999999964</c:v>
+                  <c:v>58.5</c:v>
                 </c:pt>
                 <c:pt idx="2">
-                  <c:v>7.9999999999999964</c:v>
+                  <c:v>54.0</c:v>
                 </c:pt>
               </c:numCache>
             </c:numRef>
@@ -6293,7 +6293,7 @@
                 <c:formatCode>General</c:formatCode>
                 <c:ptCount val="1"/>
                 <c:pt idx="0">
-                  <c:v>2.179764705882353</c:v>
+                  <c:v>13.536</c:v>
                 </c:pt>
               </c:numCache>
             </c:numRef>
@@ -6418,7 +6418,7 @@
                 <c:formatCode>General</c:formatCode>
                 <c:ptCount val="1"/>
                 <c:pt idx="0">
-                  <c:v>5.000000000000004</c:v>
+                  <c:v>52.5</c:v>
                 </c:pt>
               </c:numCache>
             </c:numRef>
@@ -6673,10 +6673,10 @@
                 <c:formatCode>General</c:formatCode>
                 <c:ptCount val="5"/>
                 <c:pt idx="0">
-                  <c:v>16</c:v>
+                  <c:v>0</c:v>
                 </c:pt>
                 <c:pt idx="1">
-                  <c:v>1</c:v>
+                  <c:v>17</c:v>
                 </c:pt>
                 <c:pt idx="2">
                   <c:v>0</c:v>
@@ -7018,13 +7018,13 @@
               <c:strCache>
                 <c:ptCount val="3"/>
                 <c:pt idx="0">
-                  <c:v>- What are the major expense c...</c:v>
+                  <c:v>- What training programs are i...</c:v>
                 </c:pt>
                 <c:pt idx="1">
-                  <c:v>- What are the potential risks...</c:v>
+                  <c:v>How frequently are backups per...</c:v>
                 </c:pt>
                 <c:pt idx="2">
-                  <c:v>- How does the company manage ...</c:v>
+                  <c:v>How does the company ensure op...</c:v>
                 </c:pt>
               </c:strCache>
             </c:strRef>
@@ -7036,13 +7036,13 @@
                 <c:formatCode>General</c:formatCode>
                 <c:ptCount val="3"/>
                 <c:pt idx="0">
-                  <c:v>24.0</c:v>
+                  <c:v>35.136</c:v>
                 </c:pt>
                 <c:pt idx="1">
-                  <c:v>12.0</c:v>
+                  <c:v>28.799999999999997</c:v>
                 </c:pt>
                 <c:pt idx="2">
-                  <c:v>8.160000000000002</c:v>
+                  <c:v>28.08</c:v>
                 </c:pt>
               </c:numCache>
             </c:numRef>
@@ -7174,7 +7174,7 @@
                 <c:formatCode>General</c:formatCode>
                 <c:ptCount val="1"/>
                 <c:pt idx="0">
-                  <c:v>4.8</c:v>
+                  <c:v>8.41</c:v>
                 </c:pt>
               </c:numCache>
             </c:numRef>
@@ -7809,13 +7809,13 @@
               <c:strCache>
                 <c:ptCount val="3"/>
                 <c:pt idx="0">
-                  <c:v>- Are there any strategic part...</c:v>
+                  <c:v>- What is the compensation str...</c:v>
                 </c:pt>
                 <c:pt idx="1">
-                  <c:v>Are there any pain points or a...</c:v>
+                  <c:v>- Who are the main competitors...</c:v>
                 </c:pt>
                 <c:pt idx="2">
-                  <c:v>- Is the digital strategy alig...</c:v>
+                  <c:v>- Are revenue s diversified ac...</c:v>
                 </c:pt>
               </c:strCache>
             </c:strRef>
@@ -7827,13 +7827,13 @@
                 <c:formatCode>General</c:formatCode>
                 <c:ptCount val="3"/>
                 <c:pt idx="0">
-                  <c:v>3.1999999999999993</c:v>
+                  <c:v>12.0</c:v>
                 </c:pt>
                 <c:pt idx="1">
-                  <c:v>1.2799999999999994</c:v>
+                  <c:v>10.0</c:v>
                 </c:pt>
                 <c:pt idx="2">
-                  <c:v>1.2799999999999994</c:v>
+                  <c:v>9.36</c:v>
                 </c:pt>
               </c:numCache>
             </c:numRef>
@@ -7965,7 +7965,7 @@
                 <c:formatCode>General</c:formatCode>
                 <c:ptCount val="1"/>
                 <c:pt idx="0">
-                  <c:v>7.12</c:v>
+                  <c:v>12.657333333333334</c:v>
                 </c:pt>
               </c:numCache>
             </c:numRef>
@@ -8090,7 +8090,7 @@
                 <c:formatCode>General</c:formatCode>
                 <c:ptCount val="1"/>
                 <c:pt idx="0">
-                  <c:v>16.247999999999998</c:v>
+                  <c:v>22.74</c:v>
                 </c:pt>
               </c:numCache>
             </c:numRef>
@@ -8635,13 +8635,13 @@
               <c:strCache>
                 <c:ptCount val="3"/>
                 <c:pt idx="0">
+                  <c:v>Are there plans for upgrading ...</c:v>
+                </c:pt>
+                <c:pt idx="1">
                   <c:v>- What measures are in place t...</c:v>
                 </c:pt>
-                <c:pt idx="1">
-                  <c:v>Are there plans for upgrading ...</c:v>
-                </c:pt>
                 <c:pt idx="2">
-                  <c:v>Are these technologies scalabl...</c:v>
+                  <c:v>- What are the primary funding...</c:v>
                 </c:pt>
               </c:strCache>
             </c:strRef>
@@ -8653,13 +8653,13 @@
                 <c:formatCode>General</c:formatCode>
                 <c:ptCount val="3"/>
                 <c:pt idx="0">
-                  <c:v>4.799999999999999</c:v>
+                  <c:v>15.551999999999998</c:v>
                 </c:pt>
                 <c:pt idx="1">
-                  <c:v>3.456</c:v>
+                  <c:v>14.64</c:v>
                 </c:pt>
                 <c:pt idx="2">
-                  <c:v>1.919999999999999</c:v>
+                  <c:v>12.959999999999999</c:v>
                 </c:pt>
               </c:numCache>
             </c:numRef>
@@ -8791,7 +8791,7 @@
                 <c:formatCode>General</c:formatCode>
                 <c:ptCount val="1"/>
                 <c:pt idx="0">
-                  <c:v>10.511999999999999</c:v>
+                  <c:v>18.774</c:v>
                 </c:pt>
               </c:numCache>
             </c:numRef>
@@ -9312,13 +9312,13 @@
               <c:strCache>
                 <c:ptCount val="3"/>
                 <c:pt idx="0">
-                  <c:v>Are there any trade surveillan...</c:v>
+                  <c:v>- How often are code reviews c...</c:v>
                 </c:pt>
                 <c:pt idx="1">
                   <c:v>- Is the company compliant wit...</c:v>
                 </c:pt>
                 <c:pt idx="2">
-                  <c:v>Are valuations consistent with...</c:v>
+                  <c:v>Are there any trade surveillan...</c:v>
                 </c:pt>
               </c:strCache>
             </c:strRef>
@@ -9330,13 +9330,13 @@
                 <c:formatCode>General</c:formatCode>
                 <c:ptCount val="3"/>
                 <c:pt idx="0">
-                  <c:v>4.68</c:v>
+                  <c:v>19.8</c:v>
                 </c:pt>
                 <c:pt idx="1">
-                  <c:v>2.8799999999999986</c:v>
+                  <c:v>19.44</c:v>
                 </c:pt>
                 <c:pt idx="2">
-                  <c:v>2.8799999999999986</c:v>
+                  <c:v>19.44</c:v>
                 </c:pt>
               </c:numCache>
             </c:numRef>
@@ -9509,46 +9509,46 @@
                 <c:formatCode>General</c:formatCode>
                 <c:ptCount val="14"/>
                 <c:pt idx="0">
-                  <c:v>63.0</c:v>
+                  <c:v>91.5</c:v>
                 </c:pt>
                 <c:pt idx="1">
-                  <c:v>16.247999999999998</c:v>
+                  <c:v>22.74</c:v>
                 </c:pt>
                 <c:pt idx="2">
-                  <c:v>23.0</c:v>
+                  <c:v>41.766666666666666</c:v>
                 </c:pt>
                 <c:pt idx="3">
-                  <c:v>4.799999999999999</c:v>
+                  <c:v>22.400000000000002</c:v>
                 </c:pt>
                 <c:pt idx="4">
-                  <c:v>3.195555555555556</c:v>
+                  <c:v>6.568</c:v>
                 </c:pt>
                 <c:pt idx="5">
-                  <c:v>5.531428571428571</c:v>
+                  <c:v>18.148571428571426</c:v>
                 </c:pt>
                 <c:pt idx="6">
                   <c:v>9.6</c:v>
                 </c:pt>
                 <c:pt idx="7">
-                  <c:v>25.09527272727273</c:v>
+                  <c:v>37.62327272727273</c:v>
                 </c:pt>
                 <c:pt idx="8">
-                  <c:v>8.7264</c:v>
+                  <c:v>12.5184</c:v>
                 </c:pt>
                 <c:pt idx="9">
-                  <c:v>29.294117647058822</c:v>
+                  <c:v>52.08823529411765</c:v>
                 </c:pt>
                 <c:pt idx="10">
-                  <c:v>2.179764705882353</c:v>
+                  <c:v>13.536</c:v>
                 </c:pt>
                 <c:pt idx="11">
-                  <c:v>4.8</c:v>
+                  <c:v>8.41</c:v>
                 </c:pt>
                 <c:pt idx="12">
-                  <c:v>7.12</c:v>
+                  <c:v>12.657333333333334</c:v>
                 </c:pt>
                 <c:pt idx="13">
-                  <c:v>10.511999999999999</c:v>
+                  <c:v>18.774</c:v>
                 </c:pt>
               </c:numCache>
             </c:numRef>
@@ -13098,7 +13098,7 @@
               </a:defRPr>
             </a:pPr>
             <a:r>
-              <a:t>Prepared by DueXpert AI | 2025-04-28</a:t>
+              <a:t>Prepared by DueXpert AI | 2025-05-16</a:t>
             </a:r>
           </a:p>
         </p:txBody>
@@ -13174,7 +13174,7 @@
           <a:lstStyle/>
           <a:p>
             <a:pPr>
-              <a:defRPr sz="1000">
+              <a:defRPr sz="1000" b="1">
                 <a:solidFill>
                   <a:srgbClr val="000000"/>
                 </a:solidFill>
@@ -13292,7 +13292,7 @@
           <a:lstStyle/>
           <a:p>
             <a:pPr>
-              <a:defRPr sz="1000">
+              <a:defRPr sz="1000" b="1">
                 <a:solidFill>
                   <a:srgbClr val="000000"/>
                 </a:solidFill>
@@ -13364,7 +13364,7 @@
           <a:lstStyle/>
           <a:p>
             <a:pPr>
-              <a:defRPr sz="1400" i="1">
+              <a:defRPr sz="1400" i="1" b="1">
                 <a:solidFill>
                   <a:srgbClr val="000000"/>
                 </a:solidFill>
@@ -13490,7 +13490,7 @@
           <a:lstStyle/>
           <a:p>
             <a:pPr>
-              <a:defRPr sz="1000">
+              <a:defRPr sz="1000" b="1">
                 <a:solidFill>
                   <a:srgbClr val="000000"/>
                 </a:solidFill>
@@ -13608,7 +13608,7 @@
           <a:lstStyle/>
           <a:p>
             <a:pPr>
-              <a:defRPr sz="1000">
+              <a:defRPr sz="1000" b="1">
                 <a:solidFill>
                   <a:srgbClr val="000000"/>
                 </a:solidFill>
@@ -13680,7 +13680,7 @@
           <a:lstStyle/>
           <a:p>
             <a:pPr>
-              <a:defRPr sz="1400" i="1">
+              <a:defRPr sz="1400" i="1" b="1">
                 <a:solidFill>
                   <a:srgbClr val="000000"/>
                 </a:solidFill>
@@ -13806,7 +13806,7 @@
           <a:lstStyle/>
           <a:p>
             <a:pPr>
-              <a:defRPr sz="1000">
+              <a:defRPr sz="1000" b="1">
                 <a:solidFill>
                   <a:srgbClr val="000000"/>
                 </a:solidFill>
@@ -13924,7 +13924,7 @@
           <a:lstStyle/>
           <a:p>
             <a:pPr>
-              <a:defRPr sz="1000">
+              <a:defRPr sz="1000" b="1">
                 <a:solidFill>
                   <a:srgbClr val="000000"/>
                 </a:solidFill>
@@ -13996,7 +13996,7 @@
           <a:lstStyle/>
           <a:p>
             <a:pPr>
-              <a:defRPr sz="1400" i="1">
+              <a:defRPr sz="1400" i="1" b="1">
                 <a:solidFill>
                   <a:srgbClr val="000000"/>
                 </a:solidFill>
@@ -14122,7 +14122,7 @@
           <a:lstStyle/>
           <a:p>
             <a:pPr>
-              <a:defRPr sz="1000">
+              <a:defRPr sz="1000" b="1">
                 <a:solidFill>
                   <a:srgbClr val="000000"/>
                 </a:solidFill>
@@ -14240,7 +14240,7 @@
           <a:lstStyle/>
           <a:p>
             <a:pPr>
-              <a:defRPr sz="1000">
+              <a:defRPr sz="1000" b="1">
                 <a:solidFill>
                   <a:srgbClr val="000000"/>
                 </a:solidFill>
@@ -14312,7 +14312,7 @@
           <a:lstStyle/>
           <a:p>
             <a:pPr>
-              <a:defRPr sz="1400" i="1">
+              <a:defRPr sz="1400" i="1" b="1">
                 <a:solidFill>
                   <a:srgbClr val="000000"/>
                 </a:solidFill>
@@ -14438,7 +14438,7 @@
           <a:lstStyle/>
           <a:p>
             <a:pPr>
-              <a:defRPr sz="1000">
+              <a:defRPr sz="1000" b="1">
                 <a:solidFill>
                   <a:srgbClr val="000000"/>
                 </a:solidFill>
@@ -14556,7 +14556,7 @@
           <a:lstStyle/>
           <a:p>
             <a:pPr>
-              <a:defRPr sz="1000">
+              <a:defRPr sz="1000" b="1">
                 <a:solidFill>
                   <a:srgbClr val="000000"/>
                 </a:solidFill>
@@ -14628,7 +14628,7 @@
           <a:lstStyle/>
           <a:p>
             <a:pPr>
-              <a:defRPr sz="1400" i="1">
+              <a:defRPr sz="1400" i="1" b="1">
                 <a:solidFill>
                   <a:srgbClr val="000000"/>
                 </a:solidFill>
@@ -14754,7 +14754,7 @@
           <a:lstStyle/>
           <a:p>
             <a:pPr>
-              <a:defRPr sz="1000">
+              <a:defRPr sz="1000" b="1">
                 <a:solidFill>
                   <a:srgbClr val="000000"/>
                 </a:solidFill>
@@ -14872,7 +14872,7 @@
           <a:lstStyle/>
           <a:p>
             <a:pPr>
-              <a:defRPr sz="1000">
+              <a:defRPr sz="1000" b="1">
                 <a:solidFill>
                   <a:srgbClr val="000000"/>
                 </a:solidFill>
@@ -14944,7 +14944,7 @@
           <a:lstStyle/>
           <a:p>
             <a:pPr>
-              <a:defRPr sz="1400" i="1">
+              <a:defRPr sz="1400" i="1" b="1">
                 <a:solidFill>
                   <a:srgbClr val="000000"/>
                 </a:solidFill>
@@ -15070,7 +15070,7 @@
           <a:lstStyle/>
           <a:p>
             <a:pPr>
-              <a:defRPr sz="1000">
+              <a:defRPr sz="1000" b="1">
                 <a:solidFill>
                   <a:srgbClr val="000000"/>
                 </a:solidFill>
@@ -15188,7 +15188,7 @@
           <a:lstStyle/>
           <a:p>
             <a:pPr>
-              <a:defRPr sz="1000">
+              <a:defRPr sz="1000" b="1">
                 <a:solidFill>
                   <a:srgbClr val="000000"/>
                 </a:solidFill>
@@ -15260,7 +15260,7 @@
           <a:lstStyle/>
           <a:p>
             <a:pPr>
-              <a:defRPr sz="1400" i="1">
+              <a:defRPr sz="1400" i="1" b="1">
                 <a:solidFill>
                   <a:srgbClr val="000000"/>
                 </a:solidFill>
@@ -15386,7 +15386,7 @@
           <a:lstStyle/>
           <a:p>
             <a:pPr>
-              <a:defRPr sz="1000">
+              <a:defRPr sz="1000" b="1">
                 <a:solidFill>
                   <a:srgbClr val="000000"/>
                 </a:solidFill>
@@ -15504,7 +15504,7 @@
           <a:lstStyle/>
           <a:p>
             <a:pPr>
-              <a:defRPr sz="1000">
+              <a:defRPr sz="1000" b="1">
                 <a:solidFill>
                   <a:srgbClr val="000000"/>
                 </a:solidFill>
@@ -15576,7 +15576,7 @@
           <a:lstStyle/>
           <a:p>
             <a:pPr>
-              <a:defRPr sz="1400" i="1">
+              <a:defRPr sz="1400" i="1" b="1">
                 <a:solidFill>
                   <a:srgbClr val="000000"/>
                 </a:solidFill>
@@ -15702,7 +15702,7 @@
           <a:lstStyle/>
           <a:p>
             <a:pPr>
-              <a:defRPr sz="1000">
+              <a:defRPr sz="1000" b="1">
                 <a:solidFill>
                   <a:srgbClr val="000000"/>
                 </a:solidFill>
@@ -15820,7 +15820,7 @@
           <a:lstStyle/>
           <a:p>
             <a:pPr>
-              <a:defRPr sz="1000">
+              <a:defRPr sz="1000" b="1">
                 <a:solidFill>
                   <a:srgbClr val="000000"/>
                 </a:solidFill>
@@ -15957,7 +15957,7 @@
               </a:defRPr>
             </a:pPr>
             <a:r>
-              <a:t>- Medium Risk (30-60): 0</a:t>
+              <a:t>- Medium Risk (30-60): 3</a:t>
             </a:r>
           </a:p>
           <a:p>
@@ -15970,7 +15970,7 @@
               </a:defRPr>
             </a:pPr>
             <a:r>
-              <a:t>- Low Risk (&lt;30): 13</a:t>
+              <a:t>- Low Risk (&lt;30): 10</a:t>
             </a:r>
           </a:p>
           <a:p>
@@ -15983,7 +15983,7 @@
               </a:defRPr>
             </a:pPr>
             <a:r>
-              <a:t>- Avg Risk Score: 15.2</a:t>
+              <a:t>- Avg Risk Score: 26.3</a:t>
             </a:r>
           </a:p>
           <a:p>
@@ -16024,7 +16024,7 @@
           <a:lstStyle/>
           <a:p>
             <a:pPr>
-              <a:defRPr sz="1000">
+              <a:defRPr sz="1000" b="1">
                 <a:solidFill>
                   <a:srgbClr val="000000"/>
                 </a:solidFill>
@@ -16142,7 +16142,7 @@
           <a:lstStyle/>
           <a:p>
             <a:pPr>
-              <a:defRPr sz="1000">
+              <a:defRPr sz="1000" b="1">
                 <a:solidFill>
                   <a:srgbClr val="000000"/>
                 </a:solidFill>
@@ -16528,7 +16528,7 @@
           <a:lstStyle/>
           <a:p>
             <a:pPr>
-              <a:defRPr sz="1000">
+              <a:defRPr sz="1000" b="1">
                 <a:solidFill>
                   <a:srgbClr val="000000"/>
                 </a:solidFill>
@@ -16631,7 +16631,7 @@
               </a:defRPr>
             </a:pPr>
             <a:r>
-              <a:t>**Executive Summary**</a:t>
+              <a:t>**Executive Summary:**</a:t>
             </a:r>
           </a:p>
           <a:p>
@@ -16654,7 +16654,7 @@
               </a:defRPr>
             </a:pPr>
             <a:r>
-              <a:t>The Cryptobazar Fund is an investment platform focused on cryptocurrency and blockchain technology investments. Our review of the provided documentation has identified several key areas of concern that warrant further investigation.</a:t>
+              <a:t>The Cryptobazar Fund appears to be a cryptocurrency investment platform with a strong market position in the blockchain technology space. However, our analysis reveals several areas of concern that warrant further investigation.</a:t>
             </a:r>
           </a:p>
           <a:p>
@@ -16677,7 +16677,7 @@
               </a:defRPr>
             </a:pPr>
             <a:r>
-              <a:t>**Major Areas of Concern**</a:t>
+              <a:t>**Major Areas of Concern:**</a:t>
             </a:r>
           </a:p>
           <a:p>
@@ -16700,7 +16700,7 @@
               </a:defRPr>
             </a:pPr>
             <a:r>
-              <a:t>1. **Lack of Transparency**: The fund's financial planning strategies, compensation structure for executives, and primary funding sources are not explicitly stated.</a:t>
+              <a:t>1.  **Lack of Transparency**: The provided documentation lacks clear information on key aspects such as primary funding sources, scalability, and security measures.</a:t>
             </a:r>
           </a:p>
           <a:p>
@@ -16713,7 +16713,7 @@
               </a:defRPr>
             </a:pPr>
             <a:r>
-              <a:t>2. **Compliance with Regulations**: There is no clear indication of compliance with relevant securities and commodities laws, which raises concerns about the fund's legitimacy and potential exposure to regulatory risks.</a:t>
+              <a:t>2.  **Compliance with Securities Laws**: The fund has not explicitly stated its compliance with relevant securities and commodities laws, raising concerns about regulatory risk.</a:t>
             </a:r>
           </a:p>
           <a:p>
@@ -16726,7 +16726,7 @@
               </a:defRPr>
             </a:pPr>
             <a:r>
-              <a:t>3. **Tokenomics and Trading Integrity**: The lack of explicit statements on trade surveillance mechanisms, valuation consistency, and code reviews suggests inadequate measures to prevent market manipulation and ensure trading integrity.</a:t>
+              <a:t>3.  **Market Manipulation Prevention**: There is no mention of specific trade surveillance mechanisms to prevent market manipulation, which could lead to reputational damage and financial losses.</a:t>
             </a:r>
           </a:p>
           <a:p>
@@ -16739,7 +16739,7 @@
               </a:defRPr>
             </a:pPr>
             <a:r>
-              <a:t>4. **Scalability and Security**: The provided documentation does not specifically address the scalability and security of blockchain technology, which raises concerns about the fund's ability to handle growing demand and protect investor assets.</a:t>
+              <a:t>4.  **Scalability and Security**: The document does not address the scalability and security of blockchain technology, which is crucial for long-term sustainability.</a:t>
             </a:r>
           </a:p>
           <a:p>
@@ -16751,9 +16751,6 @@
                 <a:latin typeface="Montserrat"/>
               </a:defRPr>
             </a:pPr>
-            <a:r>
-              <a:t>5. **Competitive Advantage**: While the fund differentiates itself by entering projects before they launch ICOs, there is no clear evidence of a sustainable competitive advantage or unique value proposition.</a:t>
-            </a:r>
           </a:p>
           <a:p>
             <a:pPr>
@@ -16764,6 +16761,9 @@
                 <a:latin typeface="Montserrat"/>
               </a:defRPr>
             </a:pPr>
+            <a:r>
+              <a:t>**Assessment:**</a:t>
+            </a:r>
           </a:p>
           <a:p>
             <a:pPr>
@@ -16774,9 +16774,6 @@
                 <a:latin typeface="Montserrat"/>
               </a:defRPr>
             </a:pPr>
-            <a:r>
-              <a:t>**Assessment**</a:t>
-            </a:r>
           </a:p>
           <a:p>
             <a:pPr>
@@ -16787,6 +16784,9 @@
                 <a:latin typeface="Montserrat"/>
               </a:defRPr>
             </a:pPr>
+            <a:r>
+              <a:t>While the Cryptobazar Fund has a strong market position and innovative investment strategies, our analysis highlights several areas that require further investigation and clarification. It is essential to conduct thorough due diligence to assess the fund's risks and opportunities before making any investment decisions.</a:t>
+            </a:r>
           </a:p>
           <a:p>
             <a:pPr>
@@ -16797,9 +16797,6 @@
                 <a:latin typeface="Montserrat"/>
               </a:defRPr>
             </a:pPr>
-            <a:r>
-              <a:t>Based on our review, we recommend that potential investors exercise caution when considering investment in the Cryptobazar Fund. The lack of transparency and explicit statements on compliance with regulations, tokenomics, and trading integrity raise significant concerns about the fund's legitimacy and potential risks to investor assets.</a:t>
-            </a:r>
           </a:p>
           <a:p>
             <a:pPr>
@@ -16810,6 +16807,9 @@
                 <a:latin typeface="Montserrat"/>
               </a:defRPr>
             </a:pPr>
+            <a:r>
+              <a:t>**Recommendations:**</a:t>
+            </a:r>
           </a:p>
           <a:p>
             <a:pPr>
@@ -16820,9 +16820,6 @@
                 <a:latin typeface="Montserrat"/>
               </a:defRPr>
             </a:pPr>
-            <a:r>
-              <a:t>To mitigate these risks, we suggest that the fund provide more detailed information on its financial planning strategies, compensation structure for executives, primary funding sources, and measures to ensure compliance with relevant securities and commodities laws. Additionally, the fund should clarify its tokenomics and trading integrity practices to reassure investors of their commitment to fair and transparent market practices.</a:t>
-            </a:r>
           </a:p>
           <a:p>
             <a:pPr>
@@ -16833,6 +16830,9 @@
                 <a:latin typeface="Montserrat"/>
               </a:defRPr>
             </a:pPr>
+            <a:r>
+              <a:t>1.  **Request Additional Information**: Seek clarification on key aspects such as primary funding sources, scalability, and security measures.</a:t>
+            </a:r>
           </a:p>
           <a:p>
             <a:pPr>
@@ -16844,7 +16844,7 @@
               </a:defRPr>
             </a:pPr>
             <a:r>
-              <a:t>**Recommendations**</a:t>
+              <a:t>2.  **Conduct Regulatory Review**: Verify the fund's compliance with relevant securities and commodities laws.</a:t>
             </a:r>
           </a:p>
           <a:p>
@@ -16856,6 +16856,9 @@
                 <a:latin typeface="Montserrat"/>
               </a:defRPr>
             </a:pPr>
+            <a:r>
+              <a:t>3.  **Implement Trade Surveillance Mechanisms**: Establish specific trade surveillance mechanisms to prevent market manipulation.</a:t>
+            </a:r>
           </a:p>
           <a:p>
             <a:pPr>
@@ -16867,7 +16870,7 @@
               </a:defRPr>
             </a:pPr>
             <a:r>
-              <a:t>1. Provide more detailed information on financial planning strategies, compensation structure for executives, and primary funding sources.</a:t>
+              <a:t>4.  **Assess Scalability and Security**: Evaluate the fund's plans for scalability and security of blockchain technology.</a:t>
             </a:r>
           </a:p>
           <a:p>
@@ -16879,9 +16882,6 @@
                 <a:latin typeface="Montserrat"/>
               </a:defRPr>
             </a:pPr>
-            <a:r>
-              <a:t>2. Clarify measures to ensure compliance with relevant securities and commodities laws.</a:t>
-            </a:r>
           </a:p>
           <a:p>
             <a:pPr>
@@ -16893,43 +16893,7 @@
               </a:defRPr>
             </a:pPr>
             <a:r>
-              <a:t>3. Develop explicit policies and procedures for tokenomics and trading integrity.</a:t>
-            </a:r>
-          </a:p>
-          <a:p>
-            <a:pPr>
-              <a:defRPr sz="1200">
-                <a:solidFill>
-                  <a:srgbClr val="000000"/>
-                </a:solidFill>
-                <a:latin typeface="Montserrat"/>
-              </a:defRPr>
-            </a:pPr>
-            <a:r>
-              <a:t>4. Address scalability and security concerns through specific statements on blockchain technology infrastructure.</a:t>
-            </a:r>
-          </a:p>
-          <a:p>
-            <a:pPr>
-              <a:defRPr sz="1200">
-                <a:solidFill>
-                  <a:srgbClr val="000000"/>
-                </a:solidFill>
-                <a:latin typeface="Montserrat"/>
-              </a:defRPr>
-            </a:pPr>
-          </a:p>
-          <a:p>
-            <a:pPr>
-              <a:defRPr sz="1200">
-                <a:solidFill>
-                  <a:srgbClr val="000000"/>
-                </a:solidFill>
-                <a:latin typeface="Montserrat"/>
-              </a:defRPr>
-            </a:pPr>
-            <a:r>
-              <a:t>By addressing these areas of concern, the Cryptobazar Fund can demonstrate its commitment to transparency, regulatory compliance, and fair market practices, ultimately enhancing investor confidence and credibility in their investment platform.</a:t>
+              <a:t>By addressing these concerns, investors can make informed decisions and mitigate potential risks associated with investing in the Cryptobazar Fund.</a:t>
             </a:r>
           </a:p>
         </p:txBody>
@@ -16957,7 +16921,7 @@
           <a:lstStyle/>
           <a:p>
             <a:pPr>
-              <a:defRPr sz="1000">
+              <a:defRPr sz="1000" b="1">
                 <a:solidFill>
                   <a:srgbClr val="000000"/>
                 </a:solidFill>
@@ -17075,7 +17039,7 @@
           <a:lstStyle/>
           <a:p>
             <a:pPr>
-              <a:defRPr sz="1000">
+              <a:defRPr sz="1000" b="1">
                 <a:solidFill>
                   <a:srgbClr val="000000"/>
                 </a:solidFill>
@@ -17147,7 +17111,7 @@
           <a:lstStyle/>
           <a:p>
             <a:pPr>
-              <a:defRPr sz="1400" i="1">
+              <a:defRPr sz="1400" i="1" b="1">
                 <a:solidFill>
                   <a:srgbClr val="000000"/>
                 </a:solidFill>
@@ -17273,7 +17237,7 @@
           <a:lstStyle/>
           <a:p>
             <a:pPr>
-              <a:defRPr sz="1000">
+              <a:defRPr sz="1000" b="1">
                 <a:solidFill>
                   <a:srgbClr val="000000"/>
                 </a:solidFill>
@@ -17391,7 +17355,7 @@
           <a:lstStyle/>
           <a:p>
             <a:pPr>
-              <a:defRPr sz="1000">
+              <a:defRPr sz="1000" b="1">
                 <a:solidFill>
                   <a:srgbClr val="000000"/>
                 </a:solidFill>
@@ -17463,7 +17427,7 @@
           <a:lstStyle/>
           <a:p>
             <a:pPr>
-              <a:defRPr sz="1400" i="1">
+              <a:defRPr sz="1400" i="1" b="1">
                 <a:solidFill>
                   <a:srgbClr val="000000"/>
                 </a:solidFill>
@@ -17589,7 +17553,7 @@
           <a:lstStyle/>
           <a:p>
             <a:pPr>
-              <a:defRPr sz="1000">
+              <a:defRPr sz="1000" b="1">
                 <a:solidFill>
                   <a:srgbClr val="000000"/>
                 </a:solidFill>
@@ -17707,7 +17671,7 @@
           <a:lstStyle/>
           <a:p>
             <a:pPr>
-              <a:defRPr sz="1000">
+              <a:defRPr sz="1000" b="1">
                 <a:solidFill>
                   <a:srgbClr val="000000"/>
                 </a:solidFill>
@@ -17779,7 +17743,7 @@
           <a:lstStyle/>
           <a:p>
             <a:pPr>
-              <a:defRPr sz="1400" i="1">
+              <a:defRPr sz="1400" i="1" b="1">
                 <a:solidFill>
                   <a:srgbClr val="000000"/>
                 </a:solidFill>
@@ -17905,7 +17869,7 @@
           <a:lstStyle/>
           <a:p>
             <a:pPr>
-              <a:defRPr sz="1000">
+              <a:defRPr sz="1000" b="1">
                 <a:solidFill>
                   <a:srgbClr val="000000"/>
                 </a:solidFill>
@@ -18023,7 +17987,7 @@
           <a:lstStyle/>
           <a:p>
             <a:pPr>
-              <a:defRPr sz="1000">
+              <a:defRPr sz="1000" b="1">
                 <a:solidFill>
                   <a:srgbClr val="000000"/>
                 </a:solidFill>
@@ -18095,7 +18059,7 @@
           <a:lstStyle/>
           <a:p>
             <a:pPr>
-              <a:defRPr sz="1400" i="1">
+              <a:defRPr sz="1400" i="1" b="1">
                 <a:solidFill>
                   <a:srgbClr val="000000"/>
                 </a:solidFill>
@@ -18221,7 +18185,7 @@
           <a:lstStyle/>
           <a:p>
             <a:pPr>
-              <a:defRPr sz="1000">
+              <a:defRPr sz="1000" b="1">
                 <a:solidFill>
                   <a:srgbClr val="000000"/>
                 </a:solidFill>
@@ -18339,7 +18303,7 @@
           <a:lstStyle/>
           <a:p>
             <a:pPr>
-              <a:defRPr sz="1000">
+              <a:defRPr sz="1000" b="1">
                 <a:solidFill>
                   <a:srgbClr val="000000"/>
                 </a:solidFill>
@@ -18411,7 +18375,7 @@
           <a:lstStyle/>
           <a:p>
             <a:pPr>
-              <a:defRPr sz="1400" i="1">
+              <a:defRPr sz="1400" i="1" b="1">
                 <a:solidFill>
                   <a:srgbClr val="000000"/>
                 </a:solidFill>
@@ -18537,7 +18501,7 @@
           <a:lstStyle/>
           <a:p>
             <a:pPr>
-              <a:defRPr sz="1000">
+              <a:defRPr sz="1000" b="1">
                 <a:solidFill>
                   <a:srgbClr val="000000"/>
                 </a:solidFill>
@@ -18655,7 +18619,7 @@
           <a:lstStyle/>
           <a:p>
             <a:pPr>
-              <a:defRPr sz="1000">
+              <a:defRPr sz="1000" b="1">
                 <a:solidFill>
                   <a:srgbClr val="000000"/>
                 </a:solidFill>
@@ -18727,7 +18691,7 @@
           <a:lstStyle/>
           <a:p>
             <a:pPr>
-              <a:defRPr sz="1400" i="1">
+              <a:defRPr sz="1400" i="1" b="1">
                 <a:solidFill>
                   <a:srgbClr val="000000"/>
                 </a:solidFill>
@@ -18853,7 +18817,7 @@
           <a:lstStyle/>
           <a:p>
             <a:pPr>
-              <a:defRPr sz="1000">
+              <a:defRPr sz="1000" b="1">
                 <a:solidFill>
                   <a:srgbClr val="000000"/>
                 </a:solidFill>
